--- a/E-sNEAKER.pptx
+++ b/E-sNEAKER.pptx
@@ -254,7 +254,7 @@
           <a:p>
             <a:fld id="{790EBE6C-1457-4D16-9DE7-2EB46A9D8B4D}" type="datetimeFigureOut">
               <a:rPr lang="hr-HR" smtClean="0"/>
-              <a:t>13.6.2021.</a:t>
+              <a:t>14.6.2021.</a:t>
             </a:fld>
             <a:endParaRPr lang="hr-HR"/>
           </a:p>
@@ -424,7 +424,7 @@
           <a:p>
             <a:fld id="{790EBE6C-1457-4D16-9DE7-2EB46A9D8B4D}" type="datetimeFigureOut">
               <a:rPr lang="hr-HR" smtClean="0"/>
-              <a:t>13.6.2021.</a:t>
+              <a:t>14.6.2021.</a:t>
             </a:fld>
             <a:endParaRPr lang="hr-HR"/>
           </a:p>
@@ -604,7 +604,7 @@
           <a:p>
             <a:fld id="{790EBE6C-1457-4D16-9DE7-2EB46A9D8B4D}" type="datetimeFigureOut">
               <a:rPr lang="hr-HR" smtClean="0"/>
-              <a:t>13.6.2021.</a:t>
+              <a:t>14.6.2021.</a:t>
             </a:fld>
             <a:endParaRPr lang="hr-HR"/>
           </a:p>
@@ -774,7 +774,7 @@
           <a:p>
             <a:fld id="{790EBE6C-1457-4D16-9DE7-2EB46A9D8B4D}" type="datetimeFigureOut">
               <a:rPr lang="hr-HR" smtClean="0"/>
-              <a:t>13.6.2021.</a:t>
+              <a:t>14.6.2021.</a:t>
             </a:fld>
             <a:endParaRPr lang="hr-HR"/>
           </a:p>
@@ -1020,7 +1020,7 @@
           <a:p>
             <a:fld id="{790EBE6C-1457-4D16-9DE7-2EB46A9D8B4D}" type="datetimeFigureOut">
               <a:rPr lang="hr-HR" smtClean="0"/>
-              <a:t>13.6.2021.</a:t>
+              <a:t>14.6.2021.</a:t>
             </a:fld>
             <a:endParaRPr lang="hr-HR"/>
           </a:p>
@@ -1252,7 +1252,7 @@
           <a:p>
             <a:fld id="{790EBE6C-1457-4D16-9DE7-2EB46A9D8B4D}" type="datetimeFigureOut">
               <a:rPr lang="hr-HR" smtClean="0"/>
-              <a:t>13.6.2021.</a:t>
+              <a:t>14.6.2021.</a:t>
             </a:fld>
             <a:endParaRPr lang="hr-HR"/>
           </a:p>
@@ -1619,7 +1619,7 @@
           <a:p>
             <a:fld id="{790EBE6C-1457-4D16-9DE7-2EB46A9D8B4D}" type="datetimeFigureOut">
               <a:rPr lang="hr-HR" smtClean="0"/>
-              <a:t>13.6.2021.</a:t>
+              <a:t>14.6.2021.</a:t>
             </a:fld>
             <a:endParaRPr lang="hr-HR"/>
           </a:p>
@@ -1737,7 +1737,7 @@
           <a:p>
             <a:fld id="{790EBE6C-1457-4D16-9DE7-2EB46A9D8B4D}" type="datetimeFigureOut">
               <a:rPr lang="hr-HR" smtClean="0"/>
-              <a:t>13.6.2021.</a:t>
+              <a:t>14.6.2021.</a:t>
             </a:fld>
             <a:endParaRPr lang="hr-HR"/>
           </a:p>
@@ -1832,7 +1832,7 @@
           <a:p>
             <a:fld id="{790EBE6C-1457-4D16-9DE7-2EB46A9D8B4D}" type="datetimeFigureOut">
               <a:rPr lang="hr-HR" smtClean="0"/>
-              <a:t>13.6.2021.</a:t>
+              <a:t>14.6.2021.</a:t>
             </a:fld>
             <a:endParaRPr lang="hr-HR"/>
           </a:p>
@@ -2109,7 +2109,7 @@
           <a:p>
             <a:fld id="{790EBE6C-1457-4D16-9DE7-2EB46A9D8B4D}" type="datetimeFigureOut">
               <a:rPr lang="hr-HR" smtClean="0"/>
-              <a:t>13.6.2021.</a:t>
+              <a:t>14.6.2021.</a:t>
             </a:fld>
             <a:endParaRPr lang="hr-HR"/>
           </a:p>
@@ -2362,7 +2362,7 @@
           <a:p>
             <a:fld id="{790EBE6C-1457-4D16-9DE7-2EB46A9D8B4D}" type="datetimeFigureOut">
               <a:rPr lang="hr-HR" smtClean="0"/>
-              <a:t>13.6.2021.</a:t>
+              <a:t>14.6.2021.</a:t>
             </a:fld>
             <a:endParaRPr lang="hr-HR"/>
           </a:p>
@@ -2575,7 +2575,7 @@
           <a:p>
             <a:fld id="{790EBE6C-1457-4D16-9DE7-2EB46A9D8B4D}" type="datetimeFigureOut">
               <a:rPr lang="hr-HR" smtClean="0"/>
-              <a:t>13.6.2021.</a:t>
+              <a:t>14.6.2021.</a:t>
             </a:fld>
             <a:endParaRPr lang="hr-HR"/>
           </a:p>
@@ -4181,10 +4181,58 @@
           </a:p>
           <a:p>
             <a:r>
+              <a:rPr lang="en-US" dirty="0" smtClean="0">
+                <a:latin typeface="Arial Rounded MT Bold" panose="020F0704030504030204" pitchFamily="34" charset="0"/>
+              </a:rPr>
+              <a:t>Username, </a:t>
+            </a:r>
+            <a:r>
+              <a:rPr lang="en-US" dirty="0">
+                <a:latin typeface="Arial Rounded MT Bold" panose="020F0704030504030204" pitchFamily="34" charset="0"/>
+              </a:rPr>
+              <a:t>p</a:t>
+            </a:r>
+            <a:r>
               <a:rPr lang="hr-HR" dirty="0" smtClean="0">
                 <a:latin typeface="Arial Rounded MT Bold" panose="020F0704030504030204" pitchFamily="34" charset="0"/>
               </a:rPr>
-              <a:t>Password se sprema u binarnu datoteku</a:t>
+              <a:t>assword</a:t>
+            </a:r>
+            <a:r>
+              <a:rPr lang="en-US" dirty="0" smtClean="0">
+                <a:latin typeface="Arial Rounded MT Bold" panose="020F0704030504030204" pitchFamily="34" charset="0"/>
+              </a:rPr>
+              <a:t> </a:t>
+            </a:r>
+            <a:r>
+              <a:rPr lang="en-US" dirty="0" err="1" smtClean="0">
+                <a:latin typeface="Arial Rounded MT Bold" panose="020F0704030504030204" pitchFamily="34" charset="0"/>
+              </a:rPr>
+              <a:t>i</a:t>
+            </a:r>
+            <a:r>
+              <a:rPr lang="en-US" dirty="0" smtClean="0">
+                <a:latin typeface="Arial Rounded MT Bold" panose="020F0704030504030204" pitchFamily="34" charset="0"/>
+              </a:rPr>
+              <a:t> </a:t>
+            </a:r>
+            <a:r>
+              <a:rPr lang="en-US" dirty="0" err="1" smtClean="0">
+                <a:latin typeface="Arial Rounded MT Bold" panose="020F0704030504030204" pitchFamily="34" charset="0"/>
+              </a:rPr>
+              <a:t>veli</a:t>
+            </a:r>
+            <a:r>
+              <a:rPr lang="hr-HR" dirty="0" smtClean="0">
+                <a:latin typeface="Arial Rounded MT Bold" panose="020F0704030504030204" pitchFamily="34" charset="0"/>
+              </a:rPr>
+              <a:t>čina tenisica </a:t>
+            </a:r>
+            <a:r>
+              <a:rPr lang="hr-HR" dirty="0" smtClean="0">
+                <a:latin typeface="Arial Rounded MT Bold" panose="020F0704030504030204" pitchFamily="34" charset="0"/>
+              </a:rPr>
+              <a:t>se sprema u binarnu datoteku</a:t>
             </a:r>
           </a:p>
           <a:p>
@@ -4202,7 +4250,7 @@
       </p:sp>
       <p:pic>
         <p:nvPicPr>
-          <p:cNvPr id="4" name="Picture 3"/>
+          <p:cNvPr id="5" name="Picture 4"/>
           <p:cNvPicPr>
             <a:picLocks noChangeAspect="1"/>
           </p:cNvPicPr>
@@ -4216,8 +4264,8 @@
         </p:blipFill>
         <p:spPr>
           <a:xfrm>
-            <a:off x="8533244" y="2990634"/>
-            <a:ext cx="2715517" cy="2169102"/>
+            <a:off x="838200" y="4750171"/>
+            <a:ext cx="5468481" cy="2008978"/>
           </a:xfrm>
           <a:prstGeom prst="rect">
             <a:avLst/>
@@ -4236,7 +4284,7 @@
       </p:pic>
       <p:pic>
         <p:nvPicPr>
-          <p:cNvPr id="5" name="Picture 4"/>
+          <p:cNvPr id="6" name="Picture 5"/>
           <p:cNvPicPr>
             <a:picLocks noChangeAspect="1"/>
           </p:cNvPicPr>
@@ -4250,8 +4298,8 @@
         </p:blipFill>
         <p:spPr>
           <a:xfrm>
-            <a:off x="978500" y="4477039"/>
-            <a:ext cx="5468481" cy="2008978"/>
+            <a:off x="6768936" y="4590209"/>
+            <a:ext cx="2435430" cy="2168940"/>
           </a:xfrm>
           <a:prstGeom prst="rect">
             <a:avLst/>

--- a/E-sNEAKER.pptx
+++ b/E-sNEAKER.pptx
@@ -254,7 +254,7 @@
           <a:p>
             <a:fld id="{790EBE6C-1457-4D16-9DE7-2EB46A9D8B4D}" type="datetimeFigureOut">
               <a:rPr lang="hr-HR" smtClean="0"/>
-              <a:t>14.6.2021.</a:t>
+              <a:t>16.6.2021.</a:t>
             </a:fld>
             <a:endParaRPr lang="hr-HR"/>
           </a:p>
@@ -424,7 +424,7 @@
           <a:p>
             <a:fld id="{790EBE6C-1457-4D16-9DE7-2EB46A9D8B4D}" type="datetimeFigureOut">
               <a:rPr lang="hr-HR" smtClean="0"/>
-              <a:t>14.6.2021.</a:t>
+              <a:t>16.6.2021.</a:t>
             </a:fld>
             <a:endParaRPr lang="hr-HR"/>
           </a:p>
@@ -604,7 +604,7 @@
           <a:p>
             <a:fld id="{790EBE6C-1457-4D16-9DE7-2EB46A9D8B4D}" type="datetimeFigureOut">
               <a:rPr lang="hr-HR" smtClean="0"/>
-              <a:t>14.6.2021.</a:t>
+              <a:t>16.6.2021.</a:t>
             </a:fld>
             <a:endParaRPr lang="hr-HR"/>
           </a:p>
@@ -774,7 +774,7 @@
           <a:p>
             <a:fld id="{790EBE6C-1457-4D16-9DE7-2EB46A9D8B4D}" type="datetimeFigureOut">
               <a:rPr lang="hr-HR" smtClean="0"/>
-              <a:t>14.6.2021.</a:t>
+              <a:t>16.6.2021.</a:t>
             </a:fld>
             <a:endParaRPr lang="hr-HR"/>
           </a:p>
@@ -1020,7 +1020,7 @@
           <a:p>
             <a:fld id="{790EBE6C-1457-4D16-9DE7-2EB46A9D8B4D}" type="datetimeFigureOut">
               <a:rPr lang="hr-HR" smtClean="0"/>
-              <a:t>14.6.2021.</a:t>
+              <a:t>16.6.2021.</a:t>
             </a:fld>
             <a:endParaRPr lang="hr-HR"/>
           </a:p>
@@ -1252,7 +1252,7 @@
           <a:p>
             <a:fld id="{790EBE6C-1457-4D16-9DE7-2EB46A9D8B4D}" type="datetimeFigureOut">
               <a:rPr lang="hr-HR" smtClean="0"/>
-              <a:t>14.6.2021.</a:t>
+              <a:t>16.6.2021.</a:t>
             </a:fld>
             <a:endParaRPr lang="hr-HR"/>
           </a:p>
@@ -1619,7 +1619,7 @@
           <a:p>
             <a:fld id="{790EBE6C-1457-4D16-9DE7-2EB46A9D8B4D}" type="datetimeFigureOut">
               <a:rPr lang="hr-HR" smtClean="0"/>
-              <a:t>14.6.2021.</a:t>
+              <a:t>16.6.2021.</a:t>
             </a:fld>
             <a:endParaRPr lang="hr-HR"/>
           </a:p>
@@ -1737,7 +1737,7 @@
           <a:p>
             <a:fld id="{790EBE6C-1457-4D16-9DE7-2EB46A9D8B4D}" type="datetimeFigureOut">
               <a:rPr lang="hr-HR" smtClean="0"/>
-              <a:t>14.6.2021.</a:t>
+              <a:t>16.6.2021.</a:t>
             </a:fld>
             <a:endParaRPr lang="hr-HR"/>
           </a:p>
@@ -1832,7 +1832,7 @@
           <a:p>
             <a:fld id="{790EBE6C-1457-4D16-9DE7-2EB46A9D8B4D}" type="datetimeFigureOut">
               <a:rPr lang="hr-HR" smtClean="0"/>
-              <a:t>14.6.2021.</a:t>
+              <a:t>16.6.2021.</a:t>
             </a:fld>
             <a:endParaRPr lang="hr-HR"/>
           </a:p>
@@ -2109,7 +2109,7 @@
           <a:p>
             <a:fld id="{790EBE6C-1457-4D16-9DE7-2EB46A9D8B4D}" type="datetimeFigureOut">
               <a:rPr lang="hr-HR" smtClean="0"/>
-              <a:t>14.6.2021.</a:t>
+              <a:t>16.6.2021.</a:t>
             </a:fld>
             <a:endParaRPr lang="hr-HR"/>
           </a:p>
@@ -2362,7 +2362,7 @@
           <a:p>
             <a:fld id="{790EBE6C-1457-4D16-9DE7-2EB46A9D8B4D}" type="datetimeFigureOut">
               <a:rPr lang="hr-HR" smtClean="0"/>
-              <a:t>14.6.2021.</a:t>
+              <a:t>16.6.2021.</a:t>
             </a:fld>
             <a:endParaRPr lang="hr-HR"/>
           </a:p>
@@ -2575,7 +2575,7 @@
           <a:p>
             <a:fld id="{790EBE6C-1457-4D16-9DE7-2EB46A9D8B4D}" type="datetimeFigureOut">
               <a:rPr lang="hr-HR" smtClean="0"/>
-              <a:t>14.6.2021.</a:t>
+              <a:t>16.6.2021.</a:t>
             </a:fld>
             <a:endParaRPr lang="hr-HR"/>
           </a:p>
@@ -3561,7 +3561,12 @@
             <p:ph type="title"/>
           </p:nvPr>
         </p:nvSpPr>
-        <p:spPr/>
+        <p:spPr>
+          <a:xfrm>
+            <a:off x="838200" y="317624"/>
+            <a:ext cx="10515600" cy="1325563"/>
+          </a:xfrm>
+        </p:spPr>
         <p:txBody>
           <a:bodyPr/>
           <a:lstStyle/>
@@ -3700,11 +3705,58 @@
               </a:rPr>
               <a:t>pandemijom</a:t>
             </a:r>
+            <a:endParaRPr lang="en-US" dirty="0" smtClean="0">
+              <a:latin typeface="Arial Rounded MT Bold" panose="020F0704030504030204" pitchFamily="34" charset="0"/>
+            </a:endParaRPr>
+          </a:p>
+          <a:p>
+            <a:r>
+              <a:rPr lang="en-US" dirty="0" err="1" smtClean="0">
+                <a:latin typeface="Arial Rounded MT Bold" panose="020F0704030504030204" pitchFamily="34" charset="0"/>
+              </a:rPr>
+              <a:t>Napravljen</a:t>
+            </a:r>
             <a:r>
               <a:rPr lang="en-US" dirty="0" smtClean="0">
                 <a:latin typeface="Arial Rounded MT Bold" panose="020F0704030504030204" pitchFamily="34" charset="0"/>
               </a:rPr>
+              <a:t> u </a:t>
+            </a:r>
+            <a:r>
+              <a:rPr lang="en-US" dirty="0" err="1" smtClean="0">
+                <a:latin typeface="Arial Rounded MT Bold" panose="020F0704030504030204" pitchFamily="34" charset="0"/>
+              </a:rPr>
+              <a:t>programskom</a:t>
+            </a:r>
+            <a:r>
+              <a:rPr lang="en-US" dirty="0" smtClean="0">
+                <a:latin typeface="Arial Rounded MT Bold" panose="020F0704030504030204" pitchFamily="34" charset="0"/>
+              </a:rPr>
               <a:t> </a:t>
+            </a:r>
+            <a:r>
+              <a:rPr lang="en-US" dirty="0" err="1" smtClean="0">
+                <a:latin typeface="Arial Rounded MT Bold" panose="020F0704030504030204" pitchFamily="34" charset="0"/>
+              </a:rPr>
+              <a:t>jeziku</a:t>
+            </a:r>
+            <a:r>
+              <a:rPr lang="en-US" dirty="0" smtClean="0">
+                <a:latin typeface="Arial Rounded MT Bold" panose="020F0704030504030204" pitchFamily="34" charset="0"/>
+              </a:rPr>
+              <a:t> </a:t>
+            </a:r>
+            <a:r>
+              <a:rPr lang="en-US" dirty="0">
+                <a:latin typeface="Arial Rounded MT Bold" panose="020F0704030504030204" pitchFamily="34" charset="0"/>
+              </a:rPr>
+              <a:t>C</a:t>
+            </a:r>
+            <a:r>
+              <a:rPr lang="en-US" dirty="0" smtClean="0">
+                <a:latin typeface="Arial Rounded MT Bold" panose="020F0704030504030204" pitchFamily="34" charset="0"/>
+              </a:rPr>
+              <a:t>++</a:t>
             </a:r>
             <a:endParaRPr lang="hr-HR" dirty="0">
               <a:latin typeface="Arial Rounded MT Bold" panose="020F0704030504030204" pitchFamily="34" charset="0"/>
@@ -3712,6 +3764,93 @@
           </a:p>
         </p:txBody>
       </p:sp>
+      <p:sp>
+        <p:nvSpPr>
+          <p:cNvPr id="4" name="AutoShape 2" descr="C++ Learning Path | Pluralsight"/>
+          <p:cNvSpPr>
+            <a:spLocks noChangeAspect="1" noChangeArrowheads="1"/>
+          </p:cNvSpPr>
+          <p:nvPr/>
+        </p:nvSpPr>
+        <p:spPr bwMode="auto">
+          <a:xfrm>
+            <a:off x="155575" y="-1012825"/>
+            <a:ext cx="2124075" cy="2124075"/>
+          </a:xfrm>
+          <a:prstGeom prst="rect">
+            <a:avLst/>
+          </a:prstGeom>
+          <a:noFill/>
+          <a:extLst>
+            <a:ext uri="{909E8E84-426E-40DD-AFC4-6F175D3DCCD1}">
+              <a14:hiddenFill xmlns:a14="http://schemas.microsoft.com/office/drawing/2010/main">
+                <a:solidFill>
+                  <a:srgbClr val="FFFFFF"/>
+                </a:solidFill>
+              </a14:hiddenFill>
+            </a:ext>
+          </a:extLst>
+        </p:spPr>
+        <p:txBody>
+          <a:bodyPr vert="horz" wrap="square" lIns="91440" tIns="45720" rIns="91440" bIns="45720" numCol="1" anchor="t" anchorCtr="0" compatLnSpc="1">
+            <a:prstTxWarp prst="textNoShape">
+              <a:avLst/>
+            </a:prstTxWarp>
+          </a:bodyPr>
+          <a:lstStyle/>
+          <a:p>
+            <a:endParaRPr lang="hr-HR"/>
+          </a:p>
+        </p:txBody>
+      </p:sp>
+      <p:pic>
+        <p:nvPicPr>
+          <p:cNvPr id="5" name="Picture 4"/>
+          <p:cNvPicPr>
+            <a:picLocks noChangeAspect="1"/>
+          </p:cNvPicPr>
+          <p:nvPr/>
+        </p:nvPicPr>
+        <p:blipFill>
+          <a:blip r:embed="rId3"/>
+          <a:stretch>
+            <a:fillRect/>
+          </a:stretch>
+        </p:blipFill>
+        <p:spPr>
+          <a:xfrm>
+            <a:off x="7304500" y="421759"/>
+            <a:ext cx="2143125" cy="2143125"/>
+          </a:xfrm>
+          <a:prstGeom prst="ellipse">
+            <a:avLst/>
+          </a:prstGeom>
+          <a:ln w="63500" cap="rnd">
+            <a:solidFill>
+              <a:srgbClr val="333333"/>
+            </a:solidFill>
+          </a:ln>
+          <a:effectLst>
+            <a:outerShdw blurRad="381000" dist="292100" dir="5400000" sx="-80000" sy="-18000" rotWithShape="0">
+              <a:srgbClr val="000000">
+                <a:alpha val="22000"/>
+              </a:srgbClr>
+            </a:outerShdw>
+          </a:effectLst>
+          <a:scene3d>
+            <a:camera prst="orthographicFront"/>
+            <a:lightRig rig="contrasting" dir="t">
+              <a:rot lat="0" lon="0" rev="3000000"/>
+            </a:lightRig>
+          </a:scene3d>
+          <a:sp3d contourW="7620">
+            <a:bevelT w="95250" h="31750"/>
+            <a:contourClr>
+              <a:srgbClr val="333333"/>
+            </a:contourClr>
+          </a:sp3d>
+        </p:spPr>
+      </p:pic>
     </p:spTree>
     <p:extLst>
       <p:ext uri="{BB962C8B-B14F-4D97-AF65-F5344CB8AC3E}">
@@ -3997,27 +4136,30 @@
         </p:blipFill>
         <p:spPr>
           <a:xfrm>
-            <a:off x="5401113" y="1607130"/>
+            <a:off x="5306111" y="1613406"/>
             <a:ext cx="4768124" cy="2619576"/>
           </a:xfrm>
-          <a:prstGeom prst="rect">
-            <a:avLst/>
+          <a:prstGeom prst="roundRect">
+            <a:avLst>
+              <a:gd name="adj" fmla="val 8594"/>
+            </a:avLst>
           </a:prstGeom>
+          <a:solidFill>
+            <a:srgbClr val="FFFFFF">
+              <a:shade val="85000"/>
+            </a:srgbClr>
+          </a:solidFill>
           <a:ln>
             <a:noFill/>
           </a:ln>
           <a:effectLst>
-            <a:outerShdw blurRad="190500" algn="tl" rotWithShape="0">
-              <a:srgbClr val="000000">
-                <a:alpha val="70000"/>
-              </a:srgbClr>
-            </a:outerShdw>
+            <a:reflection blurRad="12700" stA="38000" endPos="28000" dist="5000" dir="5400000" sy="-100000" algn="bl" rotWithShape="0"/>
           </a:effectLst>
         </p:spPr>
       </p:pic>
       <p:pic>
         <p:nvPicPr>
-          <p:cNvPr id="6" name="Picture 5"/>
+          <p:cNvPr id="2" name="Picture 1"/>
           <p:cNvPicPr>
             <a:picLocks noChangeAspect="1"/>
           </p:cNvPicPr>
@@ -4031,21 +4173,24 @@
         </p:blipFill>
         <p:spPr>
           <a:xfrm>
-            <a:off x="420540" y="1340100"/>
-            <a:ext cx="4054191" cy="6468417"/>
+            <a:off x="286059" y="1607130"/>
+            <a:ext cx="4808455" cy="2625852"/>
           </a:xfrm>
-          <a:prstGeom prst="rect">
-            <a:avLst/>
+          <a:prstGeom prst="roundRect">
+            <a:avLst>
+              <a:gd name="adj" fmla="val 8594"/>
+            </a:avLst>
           </a:prstGeom>
+          <a:solidFill>
+            <a:srgbClr val="FFFFFF">
+              <a:shade val="85000"/>
+            </a:srgbClr>
+          </a:solidFill>
           <a:ln>
             <a:noFill/>
           </a:ln>
           <a:effectLst>
-            <a:outerShdw blurRad="190500" algn="tl" rotWithShape="0">
-              <a:srgbClr val="000000">
-                <a:alpha val="70000"/>
-              </a:srgbClr>
-            </a:outerShdw>
+            <a:reflection blurRad="12700" stA="38000" endPos="28000" dist="5000" dir="5400000" sy="-100000" algn="bl" rotWithShape="0"/>
           </a:effectLst>
         </p:spPr>
       </p:pic>
@@ -4226,13 +4371,7 @@
               <a:rPr lang="hr-HR" dirty="0" smtClean="0">
                 <a:latin typeface="Arial Rounded MT Bold" panose="020F0704030504030204" pitchFamily="34" charset="0"/>
               </a:rPr>
-              <a:t>čina tenisica </a:t>
-            </a:r>
-            <a:r>
-              <a:rPr lang="hr-HR" dirty="0" smtClean="0">
-                <a:latin typeface="Arial Rounded MT Bold" panose="020F0704030504030204" pitchFamily="34" charset="0"/>
-              </a:rPr>
-              <a:t>se sprema u binarnu datoteku</a:t>
+              <a:t>čina tenisica se sprema u binarnu datoteku</a:t>
             </a:r>
           </a:p>
           <a:p>

--- a/E-sNEAKER.pptx
+++ b/E-sNEAKER.pptx
@@ -4576,7 +4576,7 @@
       </p:sp>
       <p:pic>
         <p:nvPicPr>
-          <p:cNvPr id="4" name="Picture 3"/>
+          <p:cNvPr id="5" name="Picture 4"/>
           <p:cNvPicPr>
             <a:picLocks noChangeAspect="1"/>
           </p:cNvPicPr>
@@ -4590,8 +4590,8 @@
         </p:blipFill>
         <p:spPr>
           <a:xfrm>
-            <a:off x="515793" y="3124994"/>
-            <a:ext cx="4972050" cy="1752600"/>
+            <a:off x="1001112" y="2845674"/>
+            <a:ext cx="3469857" cy="3629025"/>
           </a:xfrm>
           <a:prstGeom prst="roundRect">
             <a:avLst>

--- a/E-sNEAKER.pptx
+++ b/E-sNEAKER.pptx
@@ -4122,7 +4122,7 @@
       </p:grpSpPr>
       <p:pic>
         <p:nvPicPr>
-          <p:cNvPr id="5" name="Picture 4"/>
+          <p:cNvPr id="2" name="Picture 1"/>
           <p:cNvPicPr>
             <a:picLocks noChangeAspect="1"/>
           </p:cNvPicPr>
@@ -4136,8 +4136,8 @@
         </p:blipFill>
         <p:spPr>
           <a:xfrm>
-            <a:off x="5306111" y="1613406"/>
-            <a:ext cx="4768124" cy="2619576"/>
+            <a:off x="286059" y="1607130"/>
+            <a:ext cx="4808455" cy="2625852"/>
           </a:xfrm>
           <a:prstGeom prst="roundRect">
             <a:avLst>
@@ -4159,7 +4159,7 @@
       </p:pic>
       <p:pic>
         <p:nvPicPr>
-          <p:cNvPr id="2" name="Picture 1"/>
+          <p:cNvPr id="3" name="Picture 2"/>
           <p:cNvPicPr>
             <a:picLocks noChangeAspect="1"/>
           </p:cNvPicPr>
@@ -4173,8 +4173,8 @@
         </p:blipFill>
         <p:spPr>
           <a:xfrm>
-            <a:off x="286059" y="1607130"/>
-            <a:ext cx="4808455" cy="2625852"/>
+            <a:off x="5826837" y="1607131"/>
+            <a:ext cx="4905375" cy="2625852"/>
           </a:xfrm>
           <a:prstGeom prst="roundRect">
             <a:avLst>
